--- a/mipt-mips/2019/P1/Practice 1 - Combinational and Sequential Circuits.pptx
+++ b/mipt-mips/2019/P1/Practice 1 - Combinational and Sequential Circuits.pptx
@@ -210,7 +210,7 @@
           <a:p>
             <a:fld id="{BF8A01DF-72FC-44AC-AB17-13BCF95A9755}" type="datetimeFigureOut">
               <a:rPr lang="ru-RU" smtClean="0"/>
-              <a:t>07.10.2019</a:t>
+              <a:t>13.10.2019</a:t>
             </a:fld>
             <a:endParaRPr lang="ru-RU"/>
           </a:p>
@@ -1706,7 +1706,7 @@
           <a:lstStyle/>
           <a:p>
             <a:r>
-              <a:rPr lang="en-US"/>
+              <a:rPr lang="ru-RU" smtClean="0"/>
               <a:t>07.10.2019</a:t>
             </a:r>
             <a:endParaRPr lang="ru-RU"/>
@@ -1729,8 +1729,8 @@
           <a:lstStyle/>
           <a:p>
             <a:r>
-              <a:rPr lang="en-US"/>
-              <a:t>MIPT-MIPS 2018</a:t>
+              <a:rPr lang="en-US" smtClean="0"/>
+              <a:t>MIPT-V 2019</a:t>
             </a:r>
             <a:endParaRPr lang="ru-RU"/>
           </a:p>
@@ -2072,7 +2072,7 @@
           <a:lstStyle/>
           <a:p>
             <a:r>
-              <a:rPr lang="en-US"/>
+              <a:rPr lang="ru-RU" smtClean="0"/>
               <a:t>07.10.2019</a:t>
             </a:r>
             <a:endParaRPr lang="ru-RU"/>
@@ -2095,8 +2095,8 @@
           <a:lstStyle/>
           <a:p>
             <a:r>
-              <a:rPr lang="en-US"/>
-              <a:t>MIPT-MIPS 2018</a:t>
+              <a:rPr lang="en-US" smtClean="0"/>
+              <a:t>MIPT-V 2019</a:t>
             </a:r>
             <a:endParaRPr lang="ru-RU"/>
           </a:p>
@@ -2861,7 +2861,7 @@
           <a:lstStyle/>
           <a:p>
             <a:r>
-              <a:rPr lang="en-US"/>
+              <a:rPr lang="ru-RU" smtClean="0"/>
               <a:t>07.10.2019</a:t>
             </a:r>
             <a:endParaRPr lang="ru-RU"/>
@@ -2884,8 +2884,8 @@
           <a:lstStyle/>
           <a:p>
             <a:r>
-              <a:rPr lang="en-US"/>
-              <a:t>MIPT-MIPS 2018</a:t>
+              <a:rPr lang="en-US" smtClean="0"/>
+              <a:t>MIPT-V 2019</a:t>
             </a:r>
             <a:endParaRPr lang="ru-RU"/>
           </a:p>
@@ -3293,7 +3293,7 @@
           <a:lstStyle/>
           <a:p>
             <a:r>
-              <a:rPr lang="en-US"/>
+              <a:rPr lang="ru-RU" smtClean="0"/>
               <a:t>07.10.2019</a:t>
             </a:r>
             <a:endParaRPr lang="ru-RU"/>
@@ -3316,8 +3316,8 @@
           <a:lstStyle/>
           <a:p>
             <a:r>
-              <a:rPr lang="en-US"/>
-              <a:t>MIPT-MIPS 2018</a:t>
+              <a:rPr lang="en-US" smtClean="0"/>
+              <a:t>MIPT-V 2019</a:t>
             </a:r>
             <a:endParaRPr lang="ru-RU"/>
           </a:p>
@@ -3663,7 +3663,7 @@
           <a:lstStyle/>
           <a:p>
             <a:r>
-              <a:rPr lang="en-US"/>
+              <a:rPr lang="ru-RU" smtClean="0"/>
               <a:t>07.10.2019</a:t>
             </a:r>
             <a:endParaRPr lang="ru-RU"/>
@@ -3686,8 +3686,8 @@
           <a:lstStyle/>
           <a:p>
             <a:r>
-              <a:rPr lang="en-US"/>
-              <a:t>MIPT-MIPS 2018</a:t>
+              <a:rPr lang="en-US" smtClean="0"/>
+              <a:t>MIPT-V 2019</a:t>
             </a:r>
             <a:endParaRPr lang="ru-RU"/>
           </a:p>
@@ -4216,7 +4216,7 @@
           <a:lstStyle/>
           <a:p>
             <a:r>
-              <a:rPr lang="en-US"/>
+              <a:rPr lang="ru-RU" smtClean="0"/>
               <a:t>07.10.2019</a:t>
             </a:r>
             <a:endParaRPr lang="ru-RU"/>
@@ -4239,8 +4239,8 @@
           <a:lstStyle/>
           <a:p>
             <a:r>
-              <a:rPr lang="en-US"/>
-              <a:t>MIPT-MIPS 2018</a:t>
+              <a:rPr lang="en-US" smtClean="0"/>
+              <a:t>MIPT-V 2019</a:t>
             </a:r>
             <a:endParaRPr lang="ru-RU"/>
           </a:p>
@@ -4520,7 +4520,7 @@
           <a:lstStyle/>
           <a:p>
             <a:r>
-              <a:rPr lang="en-US"/>
+              <a:rPr lang="ru-RU" smtClean="0"/>
               <a:t>07.10.2019</a:t>
             </a:r>
             <a:endParaRPr lang="ru-RU"/>
@@ -4543,8 +4543,8 @@
           <a:lstStyle/>
           <a:p>
             <a:r>
-              <a:rPr lang="en-US"/>
-              <a:t>MIPT-MIPS 2018</a:t>
+              <a:rPr lang="en-US" smtClean="0"/>
+              <a:t>MIPT-V 2019</a:t>
             </a:r>
             <a:endParaRPr lang="ru-RU"/>
           </a:p>
@@ -4753,7 +4753,7 @@
           <a:lstStyle/>
           <a:p>
             <a:r>
-              <a:rPr lang="en-US"/>
+              <a:rPr lang="ru-RU" smtClean="0"/>
               <a:t>07.10.2019</a:t>
             </a:r>
             <a:endParaRPr lang="ru-RU"/>
@@ -4776,8 +4776,8 @@
           <a:lstStyle/>
           <a:p>
             <a:r>
-              <a:rPr lang="en-US"/>
-              <a:t>MIPT-MIPS 2018</a:t>
+              <a:rPr lang="en-US" smtClean="0"/>
+              <a:t>MIPT-V 2019</a:t>
             </a:r>
             <a:endParaRPr lang="ru-RU"/>
           </a:p>
@@ -5216,7 +5216,7 @@
           <a:lstStyle/>
           <a:p>
             <a:r>
-              <a:rPr lang="en-US"/>
+              <a:rPr lang="ru-RU" smtClean="0"/>
               <a:t>07.10.2019</a:t>
             </a:r>
             <a:endParaRPr lang="ru-RU"/>
@@ -5239,8 +5239,8 @@
           <a:lstStyle/>
           <a:p>
             <a:r>
-              <a:rPr lang="en-US"/>
-              <a:t>MIPT-MIPS 2018</a:t>
+              <a:rPr lang="en-US" smtClean="0"/>
+              <a:t>MIPT-V 2019</a:t>
             </a:r>
             <a:endParaRPr lang="ru-RU"/>
           </a:p>
@@ -5655,7 +5655,7 @@
           <a:lstStyle/>
           <a:p>
             <a:r>
-              <a:rPr lang="en-US"/>
+              <a:rPr lang="ru-RU" smtClean="0"/>
               <a:t>07.10.2019</a:t>
             </a:r>
             <a:endParaRPr lang="ru-RU"/>
@@ -5678,8 +5678,8 @@
           <a:lstStyle/>
           <a:p>
             <a:r>
-              <a:rPr lang="en-US"/>
-              <a:t>MIPT-MIPS 2018</a:t>
+              <a:rPr lang="en-US" smtClean="0"/>
+              <a:t>MIPT-V 2019</a:t>
             </a:r>
             <a:endParaRPr lang="ru-RU"/>
           </a:p>
@@ -6054,7 +6054,7 @@
           </a:lstStyle>
           <a:p>
             <a:r>
-              <a:rPr lang="en-US"/>
+              <a:rPr lang="ru-RU" smtClean="0"/>
               <a:t>07.10.2019</a:t>
             </a:r>
             <a:endParaRPr lang="ru-RU"/>
@@ -6095,8 +6095,8 @@
           </a:lstStyle>
           <a:p>
             <a:r>
-              <a:rPr lang="en-US"/>
-              <a:t>MIPT-MIPS 2018</a:t>
+              <a:rPr lang="en-US" smtClean="0"/>
+              <a:t>MIPT-V 2019</a:t>
             </a:r>
             <a:endParaRPr lang="ru-RU" dirty="0"/>
           </a:p>
@@ -7217,7 +7217,7 @@
           <a:lstStyle/>
           <a:p>
             <a:r>
-              <a:rPr lang="en-US"/>
+              <a:rPr lang="ru-RU" smtClean="0"/>
               <a:t>07.10.2019</a:t>
             </a:r>
             <a:endParaRPr lang="ru-RU"/>
@@ -7246,8 +7246,8 @@
           <a:lstStyle/>
           <a:p>
             <a:r>
-              <a:rPr lang="en-US"/>
-              <a:t>MIPT-MIPS 2018</a:t>
+              <a:rPr lang="en-US" smtClean="0"/>
+              <a:t>MIPT-V 2019</a:t>
             </a:r>
             <a:endParaRPr lang="ru-RU"/>
           </a:p>
@@ -7847,7 +7847,7 @@
           <a:lstStyle/>
           <a:p>
             <a:r>
-              <a:rPr lang="en-US"/>
+              <a:rPr lang="ru-RU" smtClean="0"/>
               <a:t>07.10.2019</a:t>
             </a:r>
             <a:endParaRPr lang="ru-RU"/>
@@ -7876,8 +7876,8 @@
           <a:lstStyle/>
           <a:p>
             <a:r>
-              <a:rPr lang="en-US"/>
-              <a:t>MIPT-MIPS 2018</a:t>
+              <a:rPr lang="en-US" smtClean="0"/>
+              <a:t>MIPT-V 2019</a:t>
             </a:r>
             <a:endParaRPr lang="ru-RU"/>
           </a:p>
@@ -8662,7 +8662,7 @@
           <a:lstStyle/>
           <a:p>
             <a:r>
-              <a:rPr lang="en-US"/>
+              <a:rPr lang="ru-RU" smtClean="0"/>
               <a:t>07.10.2019</a:t>
             </a:r>
             <a:endParaRPr lang="ru-RU" dirty="0"/>
@@ -8685,8 +8685,8 @@
           <a:lstStyle/>
           <a:p>
             <a:r>
-              <a:rPr lang="en-US"/>
-              <a:t>MIPT-MIPS 2018</a:t>
+              <a:rPr lang="en-US" smtClean="0"/>
+              <a:t>MIPT-V 2019</a:t>
             </a:r>
             <a:endParaRPr lang="ru-RU"/>
           </a:p>
@@ -10895,7 +10895,7 @@
           <a:lstStyle/>
           <a:p>
             <a:r>
-              <a:rPr lang="en-US"/>
+              <a:rPr lang="ru-RU" smtClean="0"/>
               <a:t>07.10.2019</a:t>
             </a:r>
             <a:endParaRPr lang="ru-RU"/>
@@ -10918,8 +10918,8 @@
           <a:lstStyle/>
           <a:p>
             <a:r>
-              <a:rPr lang="en-US"/>
-              <a:t>MIPT-MIPS 2018</a:t>
+              <a:rPr lang="en-US" smtClean="0"/>
+              <a:t>MIPT-V 2019</a:t>
             </a:r>
             <a:endParaRPr lang="ru-RU"/>
           </a:p>
@@ -11120,7 +11120,7 @@
           <a:lstStyle/>
           <a:p>
             <a:r>
-              <a:rPr lang="en-US"/>
+              <a:rPr lang="ru-RU" smtClean="0"/>
               <a:t>07.10.2019</a:t>
             </a:r>
             <a:endParaRPr lang="ru-RU"/>
@@ -11143,8 +11143,8 @@
           <a:lstStyle/>
           <a:p>
             <a:r>
-              <a:rPr lang="en-US"/>
-              <a:t>MIPT-MIPS 2018</a:t>
+              <a:rPr lang="en-US" smtClean="0"/>
+              <a:t>MIPT-V 2019</a:t>
             </a:r>
             <a:endParaRPr lang="ru-RU"/>
           </a:p>
@@ -13988,7 +13988,7 @@
           <a:lstStyle/>
           <a:p>
             <a:r>
-              <a:rPr lang="en-US"/>
+              <a:rPr lang="ru-RU" smtClean="0"/>
               <a:t>07.10.2019</a:t>
             </a:r>
             <a:endParaRPr lang="ru-RU"/>
@@ -14011,8 +14011,8 @@
           <a:lstStyle/>
           <a:p>
             <a:r>
-              <a:rPr lang="en-US"/>
-              <a:t>MIPT-MIPS 2018</a:t>
+              <a:rPr lang="en-US" smtClean="0"/>
+              <a:t>MIPT-V 2019</a:t>
             </a:r>
             <a:endParaRPr lang="ru-RU"/>
           </a:p>
@@ -17034,7 +17034,7 @@
           <a:lstStyle/>
           <a:p>
             <a:r>
-              <a:rPr lang="en-US"/>
+              <a:rPr lang="ru-RU" smtClean="0"/>
               <a:t>07.10.2019</a:t>
             </a:r>
             <a:endParaRPr lang="ru-RU"/>
@@ -17063,8 +17063,8 @@
           <a:lstStyle/>
           <a:p>
             <a:r>
-              <a:rPr lang="en-US"/>
-              <a:t>MIPT-MIPS 2018</a:t>
+              <a:rPr lang="en-US" smtClean="0"/>
+              <a:t>MIPT-V 2019</a:t>
             </a:r>
             <a:endParaRPr lang="ru-RU"/>
           </a:p>
@@ -18087,7 +18087,7 @@
           <a:lstStyle/>
           <a:p>
             <a:r>
-              <a:rPr lang="en-US"/>
+              <a:rPr lang="ru-RU" smtClean="0"/>
               <a:t>07.10.2019</a:t>
             </a:r>
             <a:endParaRPr lang="ru-RU"/>
@@ -18116,8 +18116,8 @@
           <a:lstStyle/>
           <a:p>
             <a:r>
-              <a:rPr lang="en-US"/>
-              <a:t>MIPT-MIPS 2018</a:t>
+              <a:rPr lang="en-US" smtClean="0"/>
+              <a:t>MIPT-V 2019</a:t>
             </a:r>
             <a:endParaRPr lang="ru-RU"/>
           </a:p>
@@ -19349,7 +19349,7 @@
           <a:lstStyle/>
           <a:p>
             <a:r>
-              <a:rPr lang="en-US"/>
+              <a:rPr lang="ru-RU" smtClean="0"/>
               <a:t>07.10.2019</a:t>
             </a:r>
             <a:endParaRPr lang="ru-RU"/>
@@ -19378,8 +19378,8 @@
           <a:lstStyle/>
           <a:p>
             <a:r>
-              <a:rPr lang="en-US"/>
-              <a:t>MIPT-MIPS 2018</a:t>
+              <a:rPr lang="en-US" smtClean="0"/>
+              <a:t>MIPT-V 2019</a:t>
             </a:r>
             <a:endParaRPr lang="ru-RU"/>
           </a:p>
@@ -20947,7 +20947,7 @@
           <a:lstStyle/>
           <a:p>
             <a:r>
-              <a:rPr lang="en-US"/>
+              <a:rPr lang="ru-RU" smtClean="0"/>
               <a:t>07.10.2019</a:t>
             </a:r>
             <a:endParaRPr lang="ru-RU"/>
@@ -20976,8 +20976,8 @@
           <a:lstStyle/>
           <a:p>
             <a:r>
-              <a:rPr lang="en-US"/>
-              <a:t>MIPT-MIPS 2018</a:t>
+              <a:rPr lang="en-US" smtClean="0"/>
+              <a:t>MIPT-V 2019</a:t>
             </a:r>
             <a:endParaRPr lang="ru-RU"/>
           </a:p>
@@ -21225,7 +21225,7 @@
           <a:lstStyle/>
           <a:p>
             <a:r>
-              <a:rPr lang="en-US"/>
+              <a:rPr lang="ru-RU" smtClean="0"/>
               <a:t>07.10.2019</a:t>
             </a:r>
             <a:endParaRPr lang="ru-RU"/>
@@ -21248,8 +21248,8 @@
           <a:lstStyle/>
           <a:p>
             <a:r>
-              <a:rPr lang="en-US"/>
-              <a:t>MIPT-MIPS 2018</a:t>
+              <a:rPr lang="en-US" smtClean="0"/>
+              <a:t>MIPT-V 2019</a:t>
             </a:r>
             <a:endParaRPr lang="ru-RU"/>
           </a:p>
@@ -22587,7 +22587,7 @@
           <a:lstStyle/>
           <a:p>
             <a:r>
-              <a:rPr lang="en-US"/>
+              <a:rPr lang="ru-RU" smtClean="0"/>
               <a:t>07.10.2019</a:t>
             </a:r>
             <a:endParaRPr lang="ru-RU"/>
@@ -22610,8 +22610,8 @@
           <a:lstStyle/>
           <a:p>
             <a:r>
-              <a:rPr lang="en-US"/>
-              <a:t>MIPT-MIPS 2018</a:t>
+              <a:rPr lang="en-US" smtClean="0"/>
+              <a:t>MIPT-V 2019</a:t>
             </a:r>
             <a:endParaRPr lang="ru-RU"/>
           </a:p>
